--- a/Предзащита.pptx
+++ b/Предзащита.pptx
@@ -23,7 +23,7 @@
     <p:sldId id="267" r:id="rId17"/>
     <p:sldId id="268" r:id="rId18"/>
     <p:sldId id="266" r:id="rId19"/>
-    <p:sldId id="269" r:id="rId20"/>
+    <p:sldId id="280" r:id="rId20"/>
     <p:sldId id="277" r:id="rId21"/>
   </p:sldIdLst>
   <p:sldSz cx="9144000" cy="6858000" type="screen4x3"/>
@@ -356,7 +356,7 @@
           <a:p>
             <a:fld id="{3A437E1B-BF00-41EC-9089-A3D2CF1C3BF5}" type="datetimeFigureOut">
               <a:rPr lang="ru-RU" smtClean="0"/>
-              <a:t>27.05.2015</a:t>
+              <a:t>09.06.2015</a:t>
             </a:fld>
             <a:endParaRPr lang="ru-RU" dirty="0"/>
           </a:p>
@@ -569,7 +569,7 @@
           <a:p>
             <a:fld id="{3A437E1B-BF00-41EC-9089-A3D2CF1C3BF5}" type="datetimeFigureOut">
               <a:rPr lang="ru-RU" smtClean="0"/>
-              <a:t>27.05.2015</a:t>
+              <a:t>09.06.2015</a:t>
             </a:fld>
             <a:endParaRPr lang="ru-RU" dirty="0"/>
           </a:p>
@@ -744,7 +744,7 @@
           <a:p>
             <a:fld id="{3A437E1B-BF00-41EC-9089-A3D2CF1C3BF5}" type="datetimeFigureOut">
               <a:rPr lang="ru-RU" smtClean="0"/>
-              <a:t>27.05.2015</a:t>
+              <a:t>09.06.2015</a:t>
             </a:fld>
             <a:endParaRPr lang="ru-RU" dirty="0"/>
           </a:p>
@@ -909,7 +909,7 @@
           <a:p>
             <a:fld id="{3A437E1B-BF00-41EC-9089-A3D2CF1C3BF5}" type="datetimeFigureOut">
               <a:rPr lang="ru-RU" smtClean="0"/>
-              <a:t>27.05.2015</a:t>
+              <a:t>09.06.2015</a:t>
             </a:fld>
             <a:endParaRPr lang="ru-RU" dirty="0"/>
           </a:p>
@@ -1193,7 +1193,7 @@
           <a:p>
             <a:fld id="{3A437E1B-BF00-41EC-9089-A3D2CF1C3BF5}" type="datetimeFigureOut">
               <a:rPr lang="ru-RU" smtClean="0"/>
-              <a:t>27.05.2015</a:t>
+              <a:t>09.06.2015</a:t>
             </a:fld>
             <a:endParaRPr lang="ru-RU" dirty="0"/>
           </a:p>
@@ -1519,7 +1519,7 @@
           <a:p>
             <a:fld id="{3A437E1B-BF00-41EC-9089-A3D2CF1C3BF5}" type="datetimeFigureOut">
               <a:rPr lang="ru-RU" smtClean="0"/>
-              <a:t>27.05.2015</a:t>
+              <a:t>09.06.2015</a:t>
             </a:fld>
             <a:endParaRPr lang="ru-RU" dirty="0"/>
           </a:p>
@@ -1944,7 +1944,7 @@
           <a:p>
             <a:fld id="{3A437E1B-BF00-41EC-9089-A3D2CF1C3BF5}" type="datetimeFigureOut">
               <a:rPr lang="ru-RU" smtClean="0"/>
-              <a:t>27.05.2015</a:t>
+              <a:t>09.06.2015</a:t>
             </a:fld>
             <a:endParaRPr lang="ru-RU" dirty="0"/>
           </a:p>
@@ -2117,7 +2117,7 @@
           <a:p>
             <a:fld id="{3A437E1B-BF00-41EC-9089-A3D2CF1C3BF5}" type="datetimeFigureOut">
               <a:rPr lang="ru-RU" smtClean="0"/>
-              <a:t>27.05.2015</a:t>
+              <a:t>09.06.2015</a:t>
             </a:fld>
             <a:endParaRPr lang="ru-RU" dirty="0"/>
           </a:p>
@@ -2207,7 +2207,7 @@
           <a:p>
             <a:fld id="{3A437E1B-BF00-41EC-9089-A3D2CF1C3BF5}" type="datetimeFigureOut">
               <a:rPr lang="ru-RU" smtClean="0"/>
-              <a:t>27.05.2015</a:t>
+              <a:t>09.06.2015</a:t>
             </a:fld>
             <a:endParaRPr lang="ru-RU" dirty="0"/>
           </a:p>
@@ -2487,7 +2487,7 @@
           <a:p>
             <a:fld id="{3A437E1B-BF00-41EC-9089-A3D2CF1C3BF5}" type="datetimeFigureOut">
               <a:rPr lang="ru-RU" smtClean="0"/>
-              <a:t>27.05.2015</a:t>
+              <a:t>09.06.2015</a:t>
             </a:fld>
             <a:endParaRPr lang="ru-RU" dirty="0"/>
           </a:p>
@@ -2786,7 +2786,7 @@
           <a:p>
             <a:fld id="{3A437E1B-BF00-41EC-9089-A3D2CF1C3BF5}" type="datetimeFigureOut">
               <a:rPr lang="ru-RU" smtClean="0"/>
-              <a:t>27.05.2015</a:t>
+              <a:t>09.06.2015</a:t>
             </a:fld>
             <a:endParaRPr lang="ru-RU" dirty="0"/>
           </a:p>
@@ -2996,7 +2996,7 @@
           <a:p>
             <a:fld id="{3A437E1B-BF00-41EC-9089-A3D2CF1C3BF5}" type="datetimeFigureOut">
               <a:rPr lang="ru-RU" smtClean="0"/>
-              <a:t>27.05.2015</a:t>
+              <a:t>09.06.2015</a:t>
             </a:fld>
             <a:endParaRPr lang="ru-RU" dirty="0"/>
           </a:p>
@@ -9699,7 +9699,7 @@
         </p:nvSpPr>
         <p:spPr>
           <a:xfrm>
-            <a:off x="1259632" y="260648"/>
+            <a:off x="1187624" y="22776"/>
             <a:ext cx="6781800" cy="1600200"/>
           </a:xfrm>
         </p:spPr>
@@ -9710,67 +9710,53 @@
             <a:pPr algn="ctr"/>
             <a:r>
               <a:rPr lang="ru-RU" dirty="0" smtClean="0"/>
-              <a:t>Выводы</a:t>
+              <a:t>Результат</a:t>
             </a:r>
             <a:endParaRPr lang="ru-RU" dirty="0"/>
           </a:p>
         </p:txBody>
       </p:sp>
-      <p:sp>
-        <p:nvSpPr>
-          <p:cNvPr id="3" name="Объект 2"/>
-          <p:cNvSpPr>
-            <a:spLocks noGrp="1"/>
-          </p:cNvSpPr>
+      <p:pic>
+        <p:nvPicPr>
+          <p:cNvPr id="4" name="Объект 3"/>
+          <p:cNvPicPr>
+            <a:picLocks noGrp="1"/>
+          </p:cNvPicPr>
           <p:nvPr>
             <p:ph idx="1"/>
           </p:nvPr>
-        </p:nvSpPr>
-        <p:spPr>
-          <a:xfrm>
-            <a:off x="755576" y="1772816"/>
-            <a:ext cx="7543800" cy="3886200"/>
-          </a:xfrm>
-        </p:spPr>
-        <p:txBody>
-          <a:bodyPr>
-            <a:normAutofit/>
-          </a:bodyPr>
-          <a:lstStyle/>
-          <a:p>
-            <a:pPr algn="just"/>
-            <a:r>
-              <a:rPr lang="ru-RU" sz="3200" dirty="0">
-                <a:latin typeface="Arial" panose="020B0604020202020204" pitchFamily="34" charset="0"/>
-                <a:cs typeface="Arial" panose="020B0604020202020204" pitchFamily="34" charset="0"/>
-              </a:rPr>
-              <a:t>В настоящее время реализована генерация деревьев, выбор родителей, скрещивание и мутация. </a:t>
-            </a:r>
-            <a:endParaRPr lang="ru-RU" sz="3200" dirty="0" smtClean="0">
-              <a:latin typeface="Arial" panose="020B0604020202020204" pitchFamily="34" charset="0"/>
-              <a:cs typeface="Arial" panose="020B0604020202020204" pitchFamily="34" charset="0"/>
-            </a:endParaRPr>
-          </a:p>
-          <a:p>
-            <a:pPr algn="just"/>
-            <a:r>
-              <a:rPr lang="ru-RU" sz="3200" dirty="0" smtClean="0">
-                <a:latin typeface="Arial" panose="020B0604020202020204" pitchFamily="34" charset="0"/>
-                <a:cs typeface="Arial" panose="020B0604020202020204" pitchFamily="34" charset="0"/>
-              </a:rPr>
-              <a:t>Необходимо улучшить сходимость программы.</a:t>
-            </a:r>
-            <a:endParaRPr lang="ru-RU" sz="3200" dirty="0">
-              <a:latin typeface="Arial" panose="020B0604020202020204" pitchFamily="34" charset="0"/>
-              <a:cs typeface="Arial" panose="020B0604020202020204" pitchFamily="34" charset="0"/>
-            </a:endParaRPr>
-          </a:p>
-        </p:txBody>
-      </p:sp>
+        </p:nvPicPr>
+        <p:blipFill>
+          <a:blip r:embed="rId2">
+            <a:extLst>
+              <a:ext uri="{28A0092B-C50C-407E-A947-70E740481C1C}">
+                <a14:useLocalDpi xmlns:a14="http://schemas.microsoft.com/office/drawing/2010/main" val="0"/>
+              </a:ext>
+            </a:extLst>
+          </a:blip>
+          <a:srcRect/>
+          <a:stretch>
+            <a:fillRect/>
+          </a:stretch>
+        </p:blipFill>
+        <p:spPr bwMode="auto">
+          <a:xfrm>
+            <a:off x="539552" y="2060848"/>
+            <a:ext cx="8136904" cy="4320480"/>
+          </a:xfrm>
+          <a:prstGeom prst="rect">
+            <a:avLst/>
+          </a:prstGeom>
+          <a:noFill/>
+          <a:ln>
+            <a:noFill/>
+          </a:ln>
+        </p:spPr>
+      </p:pic>
     </p:spTree>
     <p:extLst>
       <p:ext uri="{BB962C8B-B14F-4D97-AF65-F5344CB8AC3E}">
-        <p14:creationId xmlns:p14="http://schemas.microsoft.com/office/powerpoint/2010/main" val="3131990107"/>
+        <p14:creationId xmlns:p14="http://schemas.microsoft.com/office/powerpoint/2010/main" val="931503877"/>
       </p:ext>
     </p:extLst>
   </p:cSld>

--- a/Предзащита.pptx
+++ b/Предзащита.pptx
@@ -23,8 +23,9 @@
     <p:sldId id="267" r:id="rId17"/>
     <p:sldId id="268" r:id="rId18"/>
     <p:sldId id="266" r:id="rId19"/>
-    <p:sldId id="280" r:id="rId20"/>
-    <p:sldId id="277" r:id="rId21"/>
+    <p:sldId id="282" r:id="rId20"/>
+    <p:sldId id="280" r:id="rId21"/>
+    <p:sldId id="277" r:id="rId22"/>
   </p:sldIdLst>
   <p:sldSz cx="9144000" cy="6858000" type="screen4x3"/>
   <p:notesSz cx="6858000" cy="9144000"/>
@@ -123,6 +124,37 @@
       </a:defRPr>
     </a:lvl9pPr>
   </p:defaultTextStyle>
+  <p:extLst>
+    <p:ext uri="{521415D9-36F7-43E2-AB2F-B90AF26B5E84}">
+      <p14:sectionLst xmlns:p14="http://schemas.microsoft.com/office/powerpoint/2010/main">
+        <p14:section name="Раздел по умолчанию" id="{3FB03659-5449-48BB-AE9F-D7B147F6D23E}">
+          <p14:sldIdLst>
+            <p14:sldId id="256"/>
+            <p14:sldId id="272"/>
+            <p14:sldId id="279"/>
+            <p14:sldId id="278"/>
+            <p14:sldId id="274"/>
+            <p14:sldId id="257"/>
+            <p14:sldId id="271"/>
+            <p14:sldId id="259"/>
+            <p14:sldId id="260"/>
+            <p14:sldId id="261"/>
+            <p14:sldId id="270"/>
+            <p14:sldId id="262"/>
+            <p14:sldId id="263"/>
+            <p14:sldId id="276"/>
+            <p14:sldId id="264"/>
+            <p14:sldId id="267"/>
+            <p14:sldId id="268"/>
+            <p14:sldId id="266"/>
+            <p14:sldId id="282"/>
+            <p14:sldId id="280"/>
+            <p14:sldId id="277"/>
+          </p14:sldIdLst>
+        </p14:section>
+      </p14:sectionLst>
+    </p:ext>
+  </p:extLst>
 </p:presentation>
 </file>
 
@@ -356,7 +388,7 @@
           <a:p>
             <a:fld id="{3A437E1B-BF00-41EC-9089-A3D2CF1C3BF5}" type="datetimeFigureOut">
               <a:rPr lang="ru-RU" smtClean="0"/>
-              <a:t>09.06.2015</a:t>
+              <a:t>14.06.2015</a:t>
             </a:fld>
             <a:endParaRPr lang="ru-RU" dirty="0"/>
           </a:p>
@@ -569,7 +601,7 @@
           <a:p>
             <a:fld id="{3A437E1B-BF00-41EC-9089-A3D2CF1C3BF5}" type="datetimeFigureOut">
               <a:rPr lang="ru-RU" smtClean="0"/>
-              <a:t>09.06.2015</a:t>
+              <a:t>14.06.2015</a:t>
             </a:fld>
             <a:endParaRPr lang="ru-RU" dirty="0"/>
           </a:p>
@@ -744,7 +776,7 @@
           <a:p>
             <a:fld id="{3A437E1B-BF00-41EC-9089-A3D2CF1C3BF5}" type="datetimeFigureOut">
               <a:rPr lang="ru-RU" smtClean="0"/>
-              <a:t>09.06.2015</a:t>
+              <a:t>14.06.2015</a:t>
             </a:fld>
             <a:endParaRPr lang="ru-RU" dirty="0"/>
           </a:p>
@@ -909,7 +941,7 @@
           <a:p>
             <a:fld id="{3A437E1B-BF00-41EC-9089-A3D2CF1C3BF5}" type="datetimeFigureOut">
               <a:rPr lang="ru-RU" smtClean="0"/>
-              <a:t>09.06.2015</a:t>
+              <a:t>14.06.2015</a:t>
             </a:fld>
             <a:endParaRPr lang="ru-RU" dirty="0"/>
           </a:p>
@@ -1193,7 +1225,7 @@
           <a:p>
             <a:fld id="{3A437E1B-BF00-41EC-9089-A3D2CF1C3BF5}" type="datetimeFigureOut">
               <a:rPr lang="ru-RU" smtClean="0"/>
-              <a:t>09.06.2015</a:t>
+              <a:t>14.06.2015</a:t>
             </a:fld>
             <a:endParaRPr lang="ru-RU" dirty="0"/>
           </a:p>
@@ -1519,7 +1551,7 @@
           <a:p>
             <a:fld id="{3A437E1B-BF00-41EC-9089-A3D2CF1C3BF5}" type="datetimeFigureOut">
               <a:rPr lang="ru-RU" smtClean="0"/>
-              <a:t>09.06.2015</a:t>
+              <a:t>14.06.2015</a:t>
             </a:fld>
             <a:endParaRPr lang="ru-RU" dirty="0"/>
           </a:p>
@@ -1944,7 +1976,7 @@
           <a:p>
             <a:fld id="{3A437E1B-BF00-41EC-9089-A3D2CF1C3BF5}" type="datetimeFigureOut">
               <a:rPr lang="ru-RU" smtClean="0"/>
-              <a:t>09.06.2015</a:t>
+              <a:t>14.06.2015</a:t>
             </a:fld>
             <a:endParaRPr lang="ru-RU" dirty="0"/>
           </a:p>
@@ -2117,7 +2149,7 @@
           <a:p>
             <a:fld id="{3A437E1B-BF00-41EC-9089-A3D2CF1C3BF5}" type="datetimeFigureOut">
               <a:rPr lang="ru-RU" smtClean="0"/>
-              <a:t>09.06.2015</a:t>
+              <a:t>14.06.2015</a:t>
             </a:fld>
             <a:endParaRPr lang="ru-RU" dirty="0"/>
           </a:p>
@@ -2207,7 +2239,7 @@
           <a:p>
             <a:fld id="{3A437E1B-BF00-41EC-9089-A3D2CF1C3BF5}" type="datetimeFigureOut">
               <a:rPr lang="ru-RU" smtClean="0"/>
-              <a:t>09.06.2015</a:t>
+              <a:t>14.06.2015</a:t>
             </a:fld>
             <a:endParaRPr lang="ru-RU" dirty="0"/>
           </a:p>
@@ -2487,7 +2519,7 @@
           <a:p>
             <a:fld id="{3A437E1B-BF00-41EC-9089-A3D2CF1C3BF5}" type="datetimeFigureOut">
               <a:rPr lang="ru-RU" smtClean="0"/>
-              <a:t>09.06.2015</a:t>
+              <a:t>14.06.2015</a:t>
             </a:fld>
             <a:endParaRPr lang="ru-RU" dirty="0"/>
           </a:p>
@@ -2786,7 +2818,7 @@
           <a:p>
             <a:fld id="{3A437E1B-BF00-41EC-9089-A3D2CF1C3BF5}" type="datetimeFigureOut">
               <a:rPr lang="ru-RU" smtClean="0"/>
-              <a:t>09.06.2015</a:t>
+              <a:t>14.06.2015</a:t>
             </a:fld>
             <a:endParaRPr lang="ru-RU" dirty="0"/>
           </a:p>
@@ -2996,7 +3028,7 @@
           <a:p>
             <a:fld id="{3A437E1B-BF00-41EC-9089-A3D2CF1C3BF5}" type="datetimeFigureOut">
               <a:rPr lang="ru-RU" smtClean="0"/>
-              <a:t>09.06.2015</a:t>
+              <a:t>14.06.2015</a:t>
             </a:fld>
             <a:endParaRPr lang="ru-RU" dirty="0"/>
           </a:p>
@@ -4195,16 +4227,51 @@
                 <a:latin typeface="Arial" panose="020B0604020202020204" pitchFamily="34" charset="0"/>
                 <a:cs typeface="Arial" panose="020B0604020202020204" pitchFamily="34" charset="0"/>
               </a:rPr>
-              <a:t>Фитнесс-функция – квадратичная ошибка.</a:t>
-            </a:r>
-          </a:p>
-          <a:p>
+              <a:t>Пригодность</a:t>
+            </a:r>
             <a:r>
               <a:rPr lang="ru-RU" sz="3200" dirty="0" smtClean="0">
                 <a:latin typeface="Arial" panose="020B0604020202020204" pitchFamily="34" charset="0"/>
                 <a:cs typeface="Arial" panose="020B0604020202020204" pitchFamily="34" charset="0"/>
               </a:rPr>
-              <a:t>Вычисление фитнесс-функции и ее нормализация.</a:t>
+              <a:t> </a:t>
+            </a:r>
+            <a:r>
+              <a:rPr lang="ru-RU" sz="3200" dirty="0" smtClean="0">
+                <a:latin typeface="Arial" panose="020B0604020202020204" pitchFamily="34" charset="0"/>
+                <a:cs typeface="Arial" panose="020B0604020202020204" pitchFamily="34" charset="0"/>
+              </a:rPr>
+              <a:t>– квадратичная ошибка.</a:t>
+            </a:r>
+          </a:p>
+          <a:p>
+            <a:r>
+              <a:rPr lang="ru-RU" sz="3200" dirty="0" smtClean="0">
+                <a:latin typeface="Arial" panose="020B0604020202020204" pitchFamily="34" charset="0"/>
+                <a:cs typeface="Arial" panose="020B0604020202020204" pitchFamily="34" charset="0"/>
+              </a:rPr>
+              <a:t>Вычисление </a:t>
+            </a:r>
+            <a:r>
+              <a:rPr lang="ru-RU" sz="3200" dirty="0" smtClean="0">
+                <a:latin typeface="Arial" panose="020B0604020202020204" pitchFamily="34" charset="0"/>
+                <a:cs typeface="Arial" panose="020B0604020202020204" pitchFamily="34" charset="0"/>
+              </a:rPr>
+              <a:t>пригодности</a:t>
+            </a:r>
+            <a:r>
+              <a:rPr lang="ru-RU" sz="3200" dirty="0" smtClean="0">
+                <a:latin typeface="Arial" panose="020B0604020202020204" pitchFamily="34" charset="0"/>
+                <a:cs typeface="Arial" panose="020B0604020202020204" pitchFamily="34" charset="0"/>
+              </a:rPr>
+              <a:t> </a:t>
+            </a:r>
+            <a:r>
+              <a:rPr lang="ru-RU" sz="3200" dirty="0" smtClean="0">
+                <a:latin typeface="Arial" panose="020B0604020202020204" pitchFamily="34" charset="0"/>
+                <a:cs typeface="Arial" panose="020B0604020202020204" pitchFamily="34" charset="0"/>
+              </a:rPr>
+              <a:t>и ее нормализация.</a:t>
             </a:r>
             <a:endParaRPr lang="en-US" sz="3200" dirty="0" smtClean="0">
               <a:latin typeface="Arial" panose="020B0604020202020204" pitchFamily="34" charset="0"/>
@@ -4231,7 +4298,14 @@
                 <a:latin typeface="Arial" panose="020B0604020202020204" pitchFamily="34" charset="0"/>
                 <a:cs typeface="Arial" panose="020B0604020202020204" pitchFamily="34" charset="0"/>
               </a:rPr>
-              <a:t>нормализованным значениям фитнесс-функции.</a:t>
+              <a:t>нормализованным значениям </a:t>
+            </a:r>
+            <a:r>
+              <a:rPr lang="ru-RU" sz="3200" dirty="0" smtClean="0">
+                <a:latin typeface="Arial" panose="020B0604020202020204" pitchFamily="34" charset="0"/>
+                <a:cs typeface="Arial" panose="020B0604020202020204" pitchFamily="34" charset="0"/>
+              </a:rPr>
+              <a:t>приспособленности.</a:t>
             </a:r>
             <a:endParaRPr lang="ru-RU" sz="3200" dirty="0">
               <a:latin typeface="Arial" panose="020B0604020202020204" pitchFamily="34" charset="0"/>
@@ -9716,47 +9790,355 @@
           </a:p>
         </p:txBody>
       </p:sp>
-      <p:pic>
-        <p:nvPicPr>
-          <p:cNvPr id="4" name="Объект 3"/>
-          <p:cNvPicPr>
-            <a:picLocks noGrp="1"/>
-          </p:cNvPicPr>
+      <p:sp>
+        <p:nvSpPr>
+          <p:cNvPr id="3" name="Объект 2"/>
+          <p:cNvSpPr>
+            <a:spLocks noGrp="1"/>
+          </p:cNvSpPr>
           <p:nvPr>
             <p:ph idx="1"/>
           </p:nvPr>
-        </p:nvPicPr>
-        <p:blipFill>
-          <a:blip r:embed="rId2">
-            <a:extLst>
-              <a:ext uri="{28A0092B-C50C-407E-A947-70E740481C1C}">
-                <a14:useLocalDpi xmlns:a14="http://schemas.microsoft.com/office/drawing/2010/main" val="0"/>
-              </a:ext>
-            </a:extLst>
-          </a:blip>
-          <a:srcRect/>
-          <a:stretch>
-            <a:fillRect/>
-          </a:stretch>
-        </p:blipFill>
-        <p:spPr bwMode="auto">
-          <a:xfrm>
-            <a:off x="539552" y="2060848"/>
-            <a:ext cx="8136904" cy="4320480"/>
-          </a:xfrm>
-          <a:prstGeom prst="rect">
-            <a:avLst/>
-          </a:prstGeom>
-          <a:noFill/>
-          <a:ln>
-            <a:noFill/>
-          </a:ln>
-        </p:spPr>
-      </p:pic>
+        </p:nvSpPr>
+        <p:spPr>
+          <a:xfrm>
+            <a:off x="395536" y="1844824"/>
+            <a:ext cx="8424936" cy="3886200"/>
+          </a:xfrm>
+        </p:spPr>
+        <p:txBody>
+          <a:bodyPr>
+            <a:noAutofit/>
+          </a:bodyPr>
+          <a:lstStyle/>
+          <a:p>
+            <a:r>
+              <a:rPr lang="ru-RU" sz="2800" dirty="0" smtClean="0">
+                <a:latin typeface="Arial" panose="020B0604020202020204" pitchFamily="34" charset="0"/>
+                <a:ea typeface="Cambria Math" panose="02040503050406030204" pitchFamily="18" charset="0"/>
+                <a:cs typeface="Arial" panose="020B0604020202020204" pitchFamily="34" charset="0"/>
+              </a:rPr>
+              <a:t>Исходная функция:</a:t>
+            </a:r>
+            <a:r>
+              <a:rPr lang="en-US" sz="2800" dirty="0" smtClean="0">
+                <a:latin typeface="Cambria Math" panose="02040503050406030204" pitchFamily="18" charset="0"/>
+                <a:ea typeface="Cambria Math" panose="02040503050406030204" pitchFamily="18" charset="0"/>
+              </a:rPr>
+              <a:t> sin⁡</a:t>
+            </a:r>
+            <a:r>
+              <a:rPr lang="ru-RU" sz="2800" dirty="0" smtClean="0">
+                <a:latin typeface="Cambria Math" panose="02040503050406030204" pitchFamily="18" charset="0"/>
+                <a:ea typeface="Cambria Math" panose="02040503050406030204" pitchFamily="18" charset="0"/>
+              </a:rPr>
+              <a:t> </a:t>
+            </a:r>
+            <a:r>
+              <a:rPr lang="en-US" sz="2800" dirty="0" smtClean="0">
+                <a:latin typeface="Cambria Math" panose="02040503050406030204" pitchFamily="18" charset="0"/>
+                <a:ea typeface="Cambria Math" panose="02040503050406030204" pitchFamily="18" charset="0"/>
+              </a:rPr>
+              <a:t>(</a:t>
+            </a:r>
+            <a:r>
+              <a:rPr lang="en-US" sz="2800" dirty="0">
+                <a:latin typeface="Cambria Math" panose="02040503050406030204" pitchFamily="18" charset="0"/>
+                <a:ea typeface="Cambria Math" panose="02040503050406030204" pitchFamily="18" charset="0"/>
+              </a:rPr>
+              <a:t>x*x</a:t>
+            </a:r>
+            <a:r>
+              <a:rPr lang="en-US" sz="2800" dirty="0" smtClean="0">
+                <a:latin typeface="Cambria Math" panose="02040503050406030204" pitchFamily="18" charset="0"/>
+                <a:ea typeface="Cambria Math" panose="02040503050406030204" pitchFamily="18" charset="0"/>
+              </a:rPr>
+              <a:t>)</a:t>
+            </a:r>
+            <a:r>
+              <a:rPr lang="ru-RU" sz="2800" dirty="0" smtClean="0">
+                <a:latin typeface="Cambria Math" panose="02040503050406030204" pitchFamily="18" charset="0"/>
+                <a:ea typeface="Cambria Math" panose="02040503050406030204" pitchFamily="18" charset="0"/>
+              </a:rPr>
+              <a:t> </a:t>
+            </a:r>
+            <a:r>
+              <a:rPr lang="en-US" sz="2800" dirty="0" smtClean="0">
+                <a:latin typeface="Cambria Math" panose="02040503050406030204" pitchFamily="18" charset="0"/>
+                <a:ea typeface="Cambria Math" panose="02040503050406030204" pitchFamily="18" charset="0"/>
+              </a:rPr>
+              <a:t>*</a:t>
+            </a:r>
+            <a:r>
+              <a:rPr lang="ru-RU" sz="2800" dirty="0" smtClean="0">
+                <a:latin typeface="Cambria Math" panose="02040503050406030204" pitchFamily="18" charset="0"/>
+                <a:ea typeface="Cambria Math" panose="02040503050406030204" pitchFamily="18" charset="0"/>
+              </a:rPr>
+              <a:t> </a:t>
+            </a:r>
+            <a:r>
+              <a:rPr lang="en-US" sz="2800" dirty="0" smtClean="0">
+                <a:latin typeface="Cambria Math" panose="02040503050406030204" pitchFamily="18" charset="0"/>
+                <a:ea typeface="Cambria Math" panose="02040503050406030204" pitchFamily="18" charset="0"/>
+              </a:rPr>
+              <a:t>|</a:t>
+            </a:r>
+            <a:r>
+              <a:rPr lang="en-US" sz="2800" dirty="0">
+                <a:latin typeface="Cambria Math" panose="02040503050406030204" pitchFamily="18" charset="0"/>
+                <a:ea typeface="Cambria Math" panose="02040503050406030204" pitchFamily="18" charset="0"/>
+              </a:rPr>
+              <a:t>x+5.3</a:t>
+            </a:r>
+            <a:r>
+              <a:rPr lang="en-US" sz="2800" dirty="0" smtClean="0">
+                <a:latin typeface="Cambria Math" panose="02040503050406030204" pitchFamily="18" charset="0"/>
+                <a:ea typeface="Cambria Math" panose="02040503050406030204" pitchFamily="18" charset="0"/>
+              </a:rPr>
+              <a:t>|</a:t>
+            </a:r>
+            <a:r>
+              <a:rPr lang="ru-RU" sz="2800" dirty="0" smtClean="0">
+                <a:latin typeface="Cambria Math" panose="02040503050406030204" pitchFamily="18" charset="0"/>
+                <a:ea typeface="Cambria Math" panose="02040503050406030204" pitchFamily="18" charset="0"/>
+              </a:rPr>
+              <a:t> </a:t>
+            </a:r>
+            <a:r>
+              <a:rPr lang="en-US" sz="2800" dirty="0" smtClean="0">
+                <a:latin typeface="Cambria Math" panose="02040503050406030204" pitchFamily="18" charset="0"/>
+                <a:ea typeface="Cambria Math" panose="02040503050406030204" pitchFamily="18" charset="0"/>
+              </a:rPr>
+              <a:t>+</a:t>
+            </a:r>
+            <a:r>
+              <a:rPr lang="ru-RU" sz="2800" dirty="0" smtClean="0">
+                <a:latin typeface="Cambria Math" panose="02040503050406030204" pitchFamily="18" charset="0"/>
+                <a:ea typeface="Cambria Math" panose="02040503050406030204" pitchFamily="18" charset="0"/>
+              </a:rPr>
+              <a:t> </a:t>
+            </a:r>
+            <a:r>
+              <a:rPr lang="en-US" sz="2800" dirty="0" smtClean="0">
+                <a:latin typeface="Cambria Math" panose="02040503050406030204" pitchFamily="18" charset="0"/>
+                <a:ea typeface="Cambria Math" panose="02040503050406030204" pitchFamily="18" charset="0"/>
+              </a:rPr>
+              <a:t>x</a:t>
+            </a:r>
+            <a:endParaRPr lang="ru-RU" sz="2800" dirty="0" smtClean="0">
+              <a:latin typeface="Cambria Math" panose="02040503050406030204" pitchFamily="18" charset="0"/>
+              <a:ea typeface="Cambria Math" panose="02040503050406030204" pitchFamily="18" charset="0"/>
+            </a:endParaRPr>
+          </a:p>
+          <a:p>
+            <a:r>
+              <a:rPr lang="ru-RU" sz="2800" dirty="0" smtClean="0">
+                <a:latin typeface="Arial" panose="020B0604020202020204" pitchFamily="34" charset="0"/>
+                <a:ea typeface="Cambria Math" panose="02040503050406030204" pitchFamily="18" charset="0"/>
+                <a:cs typeface="Arial" panose="020B0604020202020204" pitchFamily="34" charset="0"/>
+              </a:rPr>
+              <a:t>Полученная функция:</a:t>
+            </a:r>
+            <a:r>
+              <a:rPr lang="ru-RU" sz="2800" dirty="0" smtClean="0">
+                <a:latin typeface="Cambria Math" panose="02040503050406030204" pitchFamily="18" charset="0"/>
+                <a:ea typeface="Cambria Math" panose="02040503050406030204" pitchFamily="18" charset="0"/>
+              </a:rPr>
+              <a:t> </a:t>
+            </a:r>
+            <a:r>
+              <a:rPr lang="en-US" sz="2800" dirty="0" smtClean="0">
+                <a:latin typeface="Cambria Math" panose="02040503050406030204" pitchFamily="18" charset="0"/>
+                <a:ea typeface="Cambria Math" panose="02040503050406030204" pitchFamily="18" charset="0"/>
+              </a:rPr>
+              <a:t>((((</a:t>
+            </a:r>
+            <a:r>
+              <a:rPr lang="en-US" sz="2800" dirty="0">
+                <a:latin typeface="Cambria Math" panose="02040503050406030204" pitchFamily="18" charset="0"/>
+                <a:ea typeface="Cambria Math" panose="02040503050406030204" pitchFamily="18" charset="0"/>
+              </a:rPr>
+              <a:t>x / Sin [Sin [Sin [Sin [Sin [Sin [Abs [x]]]]]]]) + (((Sin [Sin [Cos [x]]] </a:t>
+            </a:r>
+            <a:r>
+              <a:rPr lang="en-US" sz="2800" dirty="0" smtClean="0">
+                <a:latin typeface="Cambria Math" panose="02040503050406030204" pitchFamily="18" charset="0"/>
+                <a:ea typeface="Cambria Math" panose="02040503050406030204" pitchFamily="18" charset="0"/>
+              </a:rPr>
+              <a:t>/ </a:t>
+            </a:r>
+            <a:r>
+              <a:rPr lang="en-US" sz="2800" dirty="0">
+                <a:latin typeface="Cambria Math" panose="02040503050406030204" pitchFamily="18" charset="0"/>
+                <a:ea typeface="Cambria Math" panose="02040503050406030204" pitchFamily="18" charset="0"/>
+              </a:rPr>
+              <a:t>(-0.0956802175023502</a:t>
+            </a:r>
+            <a:r>
+              <a:rPr lang="en-US" sz="2800" dirty="0" smtClean="0">
+                <a:latin typeface="Cambria Math" panose="02040503050406030204" pitchFamily="18" charset="0"/>
+                <a:ea typeface="Cambria Math" panose="02040503050406030204" pitchFamily="18" charset="0"/>
+              </a:rPr>
+              <a:t>))</a:t>
+            </a:r>
+            <a:r>
+              <a:rPr lang="ru-RU" sz="2800" dirty="0" smtClean="0">
+                <a:latin typeface="Cambria Math" panose="02040503050406030204" pitchFamily="18" charset="0"/>
+                <a:ea typeface="Cambria Math" panose="02040503050406030204" pitchFamily="18" charset="0"/>
+              </a:rPr>
+              <a:t> </a:t>
+            </a:r>
+            <a:r>
+              <a:rPr lang="en-US" sz="2800" dirty="0" smtClean="0">
+                <a:latin typeface="Cambria Math" panose="02040503050406030204" pitchFamily="18" charset="0"/>
+                <a:ea typeface="Cambria Math" panose="02040503050406030204" pitchFamily="18" charset="0"/>
+              </a:rPr>
+              <a:t>+</a:t>
+            </a:r>
+            <a:r>
+              <a:rPr lang="ru-RU" sz="2800" dirty="0" smtClean="0">
+                <a:latin typeface="Cambria Math" panose="02040503050406030204" pitchFamily="18" charset="0"/>
+                <a:ea typeface="Cambria Math" panose="02040503050406030204" pitchFamily="18" charset="0"/>
+              </a:rPr>
+              <a:t> </a:t>
+            </a:r>
+            <a:r>
+              <a:rPr lang="en-US" sz="2800" dirty="0" smtClean="0">
+                <a:latin typeface="Cambria Math" panose="02040503050406030204" pitchFamily="18" charset="0"/>
+                <a:ea typeface="Cambria Math" panose="02040503050406030204" pitchFamily="18" charset="0"/>
+              </a:rPr>
+              <a:t>6.150516695690124</a:t>
+            </a:r>
+            <a:r>
+              <a:rPr lang="en-US" sz="2800" dirty="0">
+                <a:latin typeface="Cambria Math" panose="02040503050406030204" pitchFamily="18" charset="0"/>
+                <a:ea typeface="Cambria Math" panose="02040503050406030204" pitchFamily="18" charset="0"/>
+              </a:rPr>
+              <a:t>) </a:t>
+            </a:r>
+            <a:r>
+              <a:rPr lang="en-US" sz="2800" dirty="0" smtClean="0">
+                <a:latin typeface="Cambria Math" panose="02040503050406030204" pitchFamily="18" charset="0"/>
+                <a:ea typeface="Cambria Math" panose="02040503050406030204" pitchFamily="18" charset="0"/>
+              </a:rPr>
+              <a:t>+ </a:t>
+            </a:r>
+            <a:r>
+              <a:rPr lang="en-US" sz="2800" dirty="0">
+                <a:latin typeface="Cambria Math" panose="02040503050406030204" pitchFamily="18" charset="0"/>
+                <a:ea typeface="Cambria Math" panose="02040503050406030204" pitchFamily="18" charset="0"/>
+              </a:rPr>
+              <a:t>Sin [Sin [Sin [Sin [Abs [x]]]]])) </a:t>
+            </a:r>
+            <a:r>
+              <a:rPr lang="en-US" sz="2800" dirty="0" smtClean="0">
+                <a:latin typeface="Cambria Math" panose="02040503050406030204" pitchFamily="18" charset="0"/>
+                <a:ea typeface="Cambria Math" panose="02040503050406030204" pitchFamily="18" charset="0"/>
+              </a:rPr>
+              <a:t>*</a:t>
+            </a:r>
+            <a:r>
+              <a:rPr lang="ru-RU" sz="2800" dirty="0">
+                <a:latin typeface="Cambria Math" panose="02040503050406030204" pitchFamily="18" charset="0"/>
+                <a:ea typeface="Cambria Math" panose="02040503050406030204" pitchFamily="18" charset="0"/>
+              </a:rPr>
+              <a:t> </a:t>
+            </a:r>
+            <a:r>
+              <a:rPr lang="en-US" sz="2800" dirty="0" smtClean="0">
+                <a:latin typeface="Cambria Math" panose="02040503050406030204" pitchFamily="18" charset="0"/>
+                <a:ea typeface="Cambria Math" panose="02040503050406030204" pitchFamily="18" charset="0"/>
+              </a:rPr>
+              <a:t>Sin </a:t>
+            </a:r>
+            <a:r>
+              <a:rPr lang="en-US" sz="2800" dirty="0">
+                <a:latin typeface="Cambria Math" panose="02040503050406030204" pitchFamily="18" charset="0"/>
+                <a:ea typeface="Cambria Math" panose="02040503050406030204" pitchFamily="18" charset="0"/>
+              </a:rPr>
+              <a:t>[Sin [Sin [Sin [Sin [Cos [Abs [x]]]]]]]) </a:t>
+            </a:r>
+            <a:r>
+              <a:rPr lang="en-US" sz="2800" dirty="0" smtClean="0">
+                <a:latin typeface="Cambria Math" panose="02040503050406030204" pitchFamily="18" charset="0"/>
+                <a:ea typeface="Cambria Math" panose="02040503050406030204" pitchFamily="18" charset="0"/>
+              </a:rPr>
+              <a:t>+ </a:t>
+            </a:r>
+            <a:r>
+              <a:rPr lang="en-US" sz="2800" dirty="0">
+                <a:latin typeface="Cambria Math" panose="02040503050406030204" pitchFamily="18" charset="0"/>
+                <a:ea typeface="Cambria Math" panose="02040503050406030204" pitchFamily="18" charset="0"/>
+              </a:rPr>
+              <a:t>(((Cos [Sin [Sin [Cos [x]]]] / Log [Sin [Cos [Sin [Abs [x]]]]]) </a:t>
+            </a:r>
+            <a:r>
+              <a:rPr lang="en-US" sz="2800" dirty="0" smtClean="0">
+                <a:latin typeface="Cambria Math" panose="02040503050406030204" pitchFamily="18" charset="0"/>
+                <a:ea typeface="Cambria Math" panose="02040503050406030204" pitchFamily="18" charset="0"/>
+              </a:rPr>
+              <a:t>+ </a:t>
+            </a:r>
+            <a:r>
+              <a:rPr lang="en-US" sz="2800" dirty="0">
+                <a:latin typeface="Cambria Math" panose="02040503050406030204" pitchFamily="18" charset="0"/>
+                <a:ea typeface="Cambria Math" panose="02040503050406030204" pitchFamily="18" charset="0"/>
+              </a:rPr>
+              <a:t>Sin [Sin [Sin [Sin [Sin [Sin [Sin [Cos [Abs [x]]]]]]]]] </a:t>
+            </a:r>
+            <a:r>
+              <a:rPr lang="en-US" sz="2800" dirty="0" smtClean="0">
+                <a:latin typeface="Cambria Math" panose="02040503050406030204" pitchFamily="18" charset="0"/>
+                <a:ea typeface="Cambria Math" panose="02040503050406030204" pitchFamily="18" charset="0"/>
+              </a:rPr>
+              <a:t>+</a:t>
+            </a:r>
+            <a:r>
+              <a:rPr lang="ru-RU" sz="2800" dirty="0" smtClean="0">
+                <a:latin typeface="Cambria Math" panose="02040503050406030204" pitchFamily="18" charset="0"/>
+                <a:ea typeface="Cambria Math" panose="02040503050406030204" pitchFamily="18" charset="0"/>
+              </a:rPr>
+              <a:t> </a:t>
+            </a:r>
+            <a:r>
+              <a:rPr lang="en-US" sz="2800" dirty="0" smtClean="0">
+                <a:latin typeface="Cambria Math" panose="02040503050406030204" pitchFamily="18" charset="0"/>
+                <a:ea typeface="Cambria Math" panose="02040503050406030204" pitchFamily="18" charset="0"/>
+              </a:rPr>
+              <a:t>5.472573</a:t>
+            </a:r>
+            <a:r>
+              <a:rPr lang="en-US" sz="2800" dirty="0">
+                <a:latin typeface="Cambria Math" panose="02040503050406030204" pitchFamily="18" charset="0"/>
+                <a:ea typeface="Cambria Math" panose="02040503050406030204" pitchFamily="18" charset="0"/>
+              </a:rPr>
+              <a:t>)) </a:t>
+            </a:r>
+            <a:r>
+              <a:rPr lang="en-US" sz="2800" dirty="0" smtClean="0">
+                <a:latin typeface="Cambria Math" panose="02040503050406030204" pitchFamily="18" charset="0"/>
+                <a:ea typeface="Cambria Math" panose="02040503050406030204" pitchFamily="18" charset="0"/>
+              </a:rPr>
+              <a:t>+ </a:t>
+            </a:r>
+            <a:r>
+              <a:rPr lang="en-US" sz="2800" dirty="0">
+                <a:latin typeface="Cambria Math" panose="02040503050406030204" pitchFamily="18" charset="0"/>
+                <a:ea typeface="Cambria Math" panose="02040503050406030204" pitchFamily="18" charset="0"/>
+              </a:rPr>
+              <a:t>Sin [Sin [Sin [Sin [Sin [Sin [Cos [x]]]]]]])) * Abs[x] </a:t>
+            </a:r>
+            <a:endParaRPr lang="ru-RU" sz="2800" dirty="0">
+              <a:latin typeface="Cambria Math" panose="02040503050406030204" pitchFamily="18" charset="0"/>
+              <a:ea typeface="Cambria Math" panose="02040503050406030204" pitchFamily="18" charset="0"/>
+            </a:endParaRPr>
+          </a:p>
+        </p:txBody>
+      </p:sp>
     </p:spTree>
     <p:extLst>
       <p:ext uri="{BB962C8B-B14F-4D97-AF65-F5344CB8AC3E}">
-        <p14:creationId xmlns:p14="http://schemas.microsoft.com/office/powerpoint/2010/main" val="931503877"/>
+        <p14:creationId xmlns:p14="http://schemas.microsoft.com/office/powerpoint/2010/main" val="4275642513"/>
       </p:ext>
     </p:extLst>
   </p:cSld>
@@ -9937,6 +10319,132 @@
         </p:nvSpPr>
         <p:spPr>
           <a:xfrm>
+            <a:off x="1187624" y="22776"/>
+            <a:ext cx="6781800" cy="1600200"/>
+          </a:xfrm>
+        </p:spPr>
+        <p:txBody>
+          <a:bodyPr/>
+          <a:lstStyle/>
+          <a:p>
+            <a:pPr algn="ctr"/>
+            <a:r>
+              <a:rPr lang="ru-RU" dirty="0" smtClean="0"/>
+              <a:t>Результат</a:t>
+            </a:r>
+            <a:endParaRPr lang="ru-RU" dirty="0"/>
+          </a:p>
+        </p:txBody>
+      </p:sp>
+      <p:sp>
+        <p:nvSpPr>
+          <p:cNvPr id="3" name="Объект 2"/>
+          <p:cNvSpPr>
+            <a:spLocks noGrp="1"/>
+          </p:cNvSpPr>
+          <p:nvPr>
+            <p:ph idx="1"/>
+          </p:nvPr>
+        </p:nvSpPr>
+        <p:spPr/>
+        <p:txBody>
+          <a:bodyPr/>
+          <a:lstStyle/>
+          <a:p>
+            <a:endParaRPr lang="ru-RU"/>
+          </a:p>
+        </p:txBody>
+      </p:sp>
+      <p:pic>
+        <p:nvPicPr>
+          <p:cNvPr id="4" name="Picture 2" descr="C:\Users\Анна\Desktop\Experiment.png"/>
+          <p:cNvPicPr>
+            <a:picLocks noChangeAspect="1" noChangeArrowheads="1"/>
+          </p:cNvPicPr>
+          <p:nvPr/>
+        </p:nvPicPr>
+        <p:blipFill>
+          <a:blip r:embed="rId2">
+            <a:extLst>
+              <a:ext uri="{28A0092B-C50C-407E-A947-70E740481C1C}">
+                <a14:useLocalDpi xmlns:a14="http://schemas.microsoft.com/office/drawing/2010/main" val="0"/>
+              </a:ext>
+            </a:extLst>
+          </a:blip>
+          <a:srcRect/>
+          <a:stretch>
+            <a:fillRect/>
+          </a:stretch>
+        </p:blipFill>
+        <p:spPr bwMode="auto">
+          <a:xfrm>
+            <a:off x="611560" y="1700808"/>
+            <a:ext cx="7900778" cy="4896544"/>
+          </a:xfrm>
+          <a:prstGeom prst="rect">
+            <a:avLst/>
+          </a:prstGeom>
+          <a:noFill/>
+          <a:extLst>
+            <a:ext uri="{909E8E84-426E-40DD-AFC4-6F175D3DCCD1}">
+              <a14:hiddenFill xmlns:a14="http://schemas.microsoft.com/office/drawing/2010/main">
+                <a:solidFill>
+                  <a:srgbClr val="FFFFFF"/>
+                </a:solidFill>
+              </a14:hiddenFill>
+            </a:ext>
+          </a:extLst>
+        </p:spPr>
+      </p:pic>
+    </p:spTree>
+    <p:extLst>
+      <p:ext uri="{BB962C8B-B14F-4D97-AF65-F5344CB8AC3E}">
+        <p14:creationId xmlns:p14="http://schemas.microsoft.com/office/powerpoint/2010/main" val="931503877"/>
+      </p:ext>
+    </p:extLst>
+  </p:cSld>
+  <p:clrMapOvr>
+    <a:masterClrMapping/>
+  </p:clrMapOvr>
+  <p:timing>
+    <p:tnLst>
+      <p:par>
+        <p:cTn id="1" dur="indefinite" restart="never" nodeType="tmRoot"/>
+      </p:par>
+    </p:tnLst>
+  </p:timing>
+</p:sld>
+</file>
+
+<file path=ppt/slides/slide21.xml><?xml version="1.0" encoding="utf-8"?>
+<p:sld xmlns:a="http://schemas.openxmlformats.org/drawingml/2006/main" xmlns:r="http://schemas.openxmlformats.org/officeDocument/2006/relationships" xmlns:p="http://schemas.openxmlformats.org/presentationml/2006/main">
+  <p:cSld>
+    <p:spTree>
+      <p:nvGrpSpPr>
+        <p:cNvPr id="1" name=""/>
+        <p:cNvGrpSpPr/>
+        <p:nvPr/>
+      </p:nvGrpSpPr>
+      <p:grpSpPr>
+        <a:xfrm>
+          <a:off x="0" y="0"/>
+          <a:ext cx="0" cy="0"/>
+          <a:chOff x="0" y="0"/>
+          <a:chExt cx="0" cy="0"/>
+        </a:xfrm>
+      </p:grpSpPr>
+      <p:sp>
+        <p:nvSpPr>
+          <p:cNvPr id="2" name="Заголовок 1"/>
+          <p:cNvSpPr>
+            <a:spLocks noGrp="1"/>
+          </p:cNvSpPr>
+          <p:nvPr>
+            <p:ph type="title"/>
+          </p:nvPr>
+        </p:nvSpPr>
+        <p:spPr>
+          <a:xfrm>
             <a:off x="1174576" y="2060848"/>
             <a:ext cx="7357864" cy="1800200"/>
           </a:xfrm>
@@ -10057,22 +10565,19 @@
                 <a:latin typeface="Arial" panose="020B0604020202020204" pitchFamily="34" charset="0"/>
                 <a:cs typeface="Arial" panose="020B0604020202020204" pitchFamily="34" charset="0"/>
               </a:rPr>
-              <a:t>линейная, квадратичная </a:t>
-            </a:r>
-            <a:r>
-              <a:rPr lang="ru-RU" sz="3600" dirty="0">
-                <a:latin typeface="Arial" panose="020B0604020202020204" pitchFamily="34" charset="0"/>
-                <a:cs typeface="Arial" panose="020B0604020202020204" pitchFamily="34" charset="0"/>
-              </a:rPr>
-              <a:t>или </a:t>
+              <a:t>линейная, квадратичная или полиномиальная </a:t>
             </a:r>
             <a:r>
               <a:rPr lang="ru-RU" sz="3600" dirty="0" smtClean="0">
                 <a:latin typeface="Arial" panose="020B0604020202020204" pitchFamily="34" charset="0"/>
                 <a:cs typeface="Arial" panose="020B0604020202020204" pitchFamily="34" charset="0"/>
               </a:rPr>
-              <a:t>полиномиальная регрессии.</a:t>
-            </a:r>
+              <a:t>регрессии.</a:t>
+            </a:r>
+            <a:endParaRPr lang="ru-RU" sz="3600" dirty="0" smtClean="0">
+              <a:latin typeface="Arial" panose="020B0604020202020204" pitchFamily="34" charset="0"/>
+              <a:cs typeface="Arial" panose="020B0604020202020204" pitchFamily="34" charset="0"/>
+            </a:endParaRPr>
           </a:p>
           <a:p>
             <a:r>
@@ -10407,7 +10912,7 @@
         </p:nvSpPr>
         <p:spPr>
           <a:xfrm>
-            <a:off x="395536" y="1772816"/>
+            <a:off x="755576" y="1772816"/>
             <a:ext cx="8424936" cy="3886200"/>
           </a:xfrm>
         </p:spPr>
@@ -10417,47 +10922,21 @@
           </a:bodyPr>
           <a:lstStyle/>
           <a:p>
-            <a:pPr algn="just">
-              <a:lnSpc>
-                <a:spcPts val="3840"/>
-              </a:lnSpc>
-            </a:pPr>
-            <a:r>
-              <a:rPr lang="ru-RU" sz="3200" dirty="0">
+            <a:r>
+              <a:rPr lang="ru-RU" sz="4000" dirty="0" smtClean="0">
                 <a:latin typeface="Arial" panose="020B0604020202020204" pitchFamily="34" charset="0"/>
                 <a:cs typeface="Arial" panose="020B0604020202020204" pitchFamily="34" charset="0"/>
               </a:rPr>
-              <a:t>Н</a:t>
-            </a:r>
-            <a:r>
-              <a:rPr lang="ru-RU" sz="3200" dirty="0" smtClean="0">
+              <a:t>Нахождение </a:t>
+            </a:r>
+            <a:r>
+              <a:rPr lang="ru-RU" sz="4000" dirty="0">
                 <a:latin typeface="Arial" panose="020B0604020202020204" pitchFamily="34" charset="0"/>
                 <a:cs typeface="Arial" panose="020B0604020202020204" pitchFamily="34" charset="0"/>
               </a:rPr>
-              <a:t>ахождение </a:t>
-            </a:r>
-            <a:r>
-              <a:rPr lang="ru-RU" sz="3200" dirty="0">
-                <a:latin typeface="Arial" panose="020B0604020202020204" pitchFamily="34" charset="0"/>
-                <a:cs typeface="Arial" panose="020B0604020202020204" pitchFamily="34" charset="0"/>
-              </a:rPr>
-              <a:t>функции, наиболее оптимально устанавливающей, согласно некоторым </a:t>
-            </a:r>
-            <a:r>
-              <a:rPr lang="ru-RU" sz="3200" dirty="0" smtClean="0">
-                <a:latin typeface="Arial" panose="020B0604020202020204" pitchFamily="34" charset="0"/>
-                <a:cs typeface="Arial" panose="020B0604020202020204" pitchFamily="34" charset="0"/>
-              </a:rPr>
-              <a:t>критериям, </a:t>
-            </a:r>
-            <a:r>
-              <a:rPr lang="ru-RU" sz="3200" dirty="0">
-                <a:latin typeface="Arial" panose="020B0604020202020204" pitchFamily="34" charset="0"/>
-                <a:cs typeface="Arial" panose="020B0604020202020204" pitchFamily="34" charset="0"/>
-              </a:rPr>
-              <a:t>зависимость двух наборов данных друг от друга.</a:t>
-            </a:r>
-            <a:endParaRPr lang="ru-RU" sz="3200" dirty="0" smtClean="0">
+              <a:t>и отработка методики восстановления функциональной зависимости данных.</a:t>
+            </a:r>
+            <a:endParaRPr lang="ru-RU" sz="4000" dirty="0" smtClean="0">
               <a:latin typeface="Arial" panose="020B0604020202020204" pitchFamily="34" charset="0"/>
               <a:cs typeface="Arial" panose="020B0604020202020204" pitchFamily="34" charset="0"/>
             </a:endParaRPr>
@@ -10884,7 +11363,17 @@
                 <a:latin typeface="Arial" panose="020B0604020202020204" pitchFamily="34" charset="0"/>
                 <a:cs typeface="Arial" panose="020B0604020202020204" pitchFamily="34" charset="0"/>
               </a:rPr>
-              <a:t>Отбор родителей на основе значений фитнесс-функции</a:t>
+              <a:t>Отбор родителей на основе значений </a:t>
+            </a:r>
+            <a:r>
+              <a:rPr lang="ru-RU" sz="2800" dirty="0" smtClean="0">
+                <a:solidFill>
+                  <a:schemeClr val="tx1"/>
+                </a:solidFill>
+                <a:latin typeface="Arial" panose="020B0604020202020204" pitchFamily="34" charset="0"/>
+                <a:cs typeface="Arial" panose="020B0604020202020204" pitchFamily="34" charset="0"/>
+              </a:rPr>
+              <a:t>пригодности</a:t>
             </a:r>
             <a:endParaRPr lang="ru-RU" sz="2800" dirty="0">
               <a:solidFill>
